--- a/PathogenDataCourse/SlideSets/StrainTypingAndGenEpi.pptx
+++ b/PathogenDataCourse/SlideSets/StrainTypingAndGenEpi.pptx
@@ -14179,6 +14179,53 @@
           </a:p>
         </p:txBody>
       </p:sp>
+      <p:pic>
+        <p:nvPicPr>
+          <p:cNvPr id="9226" name="Picture 10">
+            <a:extLst>
+              <a:ext uri="{FF2B5EF4-FFF2-40B4-BE49-F238E27FC236}">
+                <a16:creationId xmlns:a16="http://schemas.microsoft.com/office/drawing/2014/main" id="{D2B94808-50D5-2FF7-3938-0611E5A94D1D}"/>
+              </a:ext>
+            </a:extLst>
+          </p:cNvPr>
+          <p:cNvPicPr>
+            <a:picLocks noChangeAspect="1" noChangeArrowheads="1"/>
+          </p:cNvPicPr>
+          <p:nvPr/>
+        </p:nvPicPr>
+        <p:blipFill>
+          <a:blip r:embed="rId3">
+            <a:extLst>
+              <a:ext uri="{28A0092B-C50C-407E-A947-70E740481C1C}">
+                <a14:useLocalDpi xmlns:a14="http://schemas.microsoft.com/office/drawing/2010/main" val="0"/>
+              </a:ext>
+            </a:extLst>
+          </a:blip>
+          <a:srcRect/>
+          <a:stretch>
+            <a:fillRect/>
+          </a:stretch>
+        </p:blipFill>
+        <p:spPr bwMode="auto">
+          <a:xfrm>
+            <a:off x="6875678" y="1461481"/>
+            <a:ext cx="5149635" cy="4239837"/>
+          </a:xfrm>
+          <a:prstGeom prst="rect">
+            <a:avLst/>
+          </a:prstGeom>
+          <a:noFill/>
+          <a:extLst>
+            <a:ext uri="{909E8E84-426E-40DD-AFC4-6F175D3DCCD1}">
+              <a14:hiddenFill xmlns:a14="http://schemas.microsoft.com/office/drawing/2010/main">
+                <a:solidFill>
+                  <a:srgbClr val="FFFFFF"/>
+                </a:solidFill>
+              </a14:hiddenFill>
+            </a:ext>
+          </a:extLst>
+        </p:spPr>
+      </p:pic>
     </p:spTree>
     <p:extLst>
       <p:ext uri="{BB962C8B-B14F-4D97-AF65-F5344CB8AC3E}">
@@ -15121,15 +15168,7 @@
             <a:pPr lvl="1" algn="just"/>
             <a:r>
               <a:rPr lang="en-GB" dirty="0"/>
-              <a:t>Has all the issues of </a:t>
-            </a:r>
-            <a:r>
-              <a:rPr lang="en-GB"/>
-              <a:t>parsimony/distance </a:t>
-            </a:r>
-            <a:r>
-              <a:rPr lang="en-GB" dirty="0"/>
-              <a:t>approaches</a:t>
+              <a:t>Has all the issues of parsimony/distance approaches</a:t>
             </a:r>
           </a:p>
           <a:p>
@@ -16552,8 +16591,8 @@
         </p:nvSpPr>
         <p:spPr>
           <a:xfrm>
-            <a:off x="8623300" y="6413602"/>
-            <a:ext cx="3568700" cy="261610"/>
+            <a:off x="9639300" y="6413602"/>
+            <a:ext cx="2552700" cy="261610"/>
           </a:xfrm>
           <a:prstGeom prst="rect">
             <a:avLst/>
@@ -16568,33 +16607,17 @@
           <a:p>
             <a:r>
               <a:rPr lang="en-GB" sz="1100" dirty="0"/>
-              <a:t>https://</a:t>
-            </a:r>
-            <a:r>
-              <a:rPr lang="en-GB" sz="1100" dirty="0" err="1"/>
-              <a:t>help.ezbiocloud.net</a:t>
-            </a:r>
-            <a:r>
-              <a:rPr lang="en-GB" sz="1100" dirty="0"/>
-              <a:t>/</a:t>
-            </a:r>
-            <a:r>
-              <a:rPr lang="en-GB" sz="1100" dirty="0" err="1"/>
-              <a:t>orthoani</a:t>
-            </a:r>
-            <a:r>
-              <a:rPr lang="en-GB" sz="1100" dirty="0"/>
-              <a:t>-genomic-similarity/</a:t>
+              <a:t>Albuquerque &amp; Haag, Euk Micro 2022</a:t>
             </a:r>
           </a:p>
         </p:txBody>
       </p:sp>
       <p:pic>
         <p:nvPicPr>
-          <p:cNvPr id="2050" name="Picture 2" descr="OrthoANI genomic similarity – EzBioCloud Help center">
-            <a:extLst>
-              <a:ext uri="{FF2B5EF4-FFF2-40B4-BE49-F238E27FC236}">
-                <a16:creationId xmlns:a16="http://schemas.microsoft.com/office/drawing/2014/main" id="{BDE042E4-DF57-5197-75CA-C94A86798606}"/>
+          <p:cNvPr id="3074" name="Picture 2" descr="Using average nucleotide identity (ANI) to evaluate microsporidia species  boundaries based on their genetic relatedness - Albuquerque - 2023 -  Journal of Eukaryotic Microbiology - Wiley Online Library">
+            <a:extLst>
+              <a:ext uri="{FF2B5EF4-FFF2-40B4-BE49-F238E27FC236}">
+                <a16:creationId xmlns:a16="http://schemas.microsoft.com/office/drawing/2014/main" id="{6DD52326-B5BC-13DB-C0C7-02A4576DF353}"/>
               </a:ext>
             </a:extLst>
           </p:cNvPr>
@@ -16618,8 +16641,8 @@
         </p:blipFill>
         <p:spPr bwMode="auto">
           <a:xfrm>
-            <a:off x="6680200" y="1404922"/>
-            <a:ext cx="5511800" cy="4730031"/>
+            <a:off x="7051358" y="1536700"/>
+            <a:ext cx="5012055" cy="4114800"/>
           </a:xfrm>
           <a:prstGeom prst="rect">
             <a:avLst/>
@@ -17425,8 +17448,8 @@
         </p:nvSpPr>
         <p:spPr>
           <a:xfrm>
-            <a:off x="8966200" y="6413602"/>
-            <a:ext cx="3225800" cy="261610"/>
+            <a:off x="10134600" y="6413602"/>
+            <a:ext cx="2057400" cy="261610"/>
           </a:xfrm>
           <a:prstGeom prst="rect">
             <a:avLst/>
@@ -17445,65 +17468,43 @@
             </a:r>
             <a:r>
               <a:rPr lang="en-GB" sz="1100" dirty="0" err="1"/>
-              <a:t>www.applied-maths.com</a:t>
+              <a:t>pubmlst.org</a:t>
             </a:r>
             <a:r>
               <a:rPr lang="en-GB" sz="1100" dirty="0"/>
-              <a:t>/applications/</a:t>
-            </a:r>
-            <a:r>
-              <a:rPr lang="en-GB" sz="1100" dirty="0" err="1"/>
-              <a:t>mlst</a:t>
-            </a:r>
-            <a:endParaRPr lang="en-GB" sz="1100" dirty="0"/>
+              <a:t>/species-id</a:t>
+            </a:r>
           </a:p>
         </p:txBody>
       </p:sp>
       <p:pic>
         <p:nvPicPr>
-          <p:cNvPr id="5122" name="Picture 2" descr="Multilocus sequence typing (MLST) analysis | BIONUMERICS">
-            <a:extLst>
-              <a:ext uri="{FF2B5EF4-FFF2-40B4-BE49-F238E27FC236}">
-                <a16:creationId xmlns:a16="http://schemas.microsoft.com/office/drawing/2014/main" id="{172BB185-3F9C-05A9-B0EF-CAC168371CBF}"/>
+          <p:cNvPr id="4" name="Picture 3" descr="A diagram of a cell structure&#10;&#10;Description automatically generated">
+            <a:extLst>
+              <a:ext uri="{FF2B5EF4-FFF2-40B4-BE49-F238E27FC236}">
+                <a16:creationId xmlns:a16="http://schemas.microsoft.com/office/drawing/2014/main" id="{3198D99C-DEF9-5B80-7238-036EC776901C}"/>
               </a:ext>
             </a:extLst>
           </p:cNvPr>
           <p:cNvPicPr>
-            <a:picLocks noChangeAspect="1" noChangeArrowheads="1"/>
+            <a:picLocks noChangeAspect="1"/>
           </p:cNvPicPr>
           <p:nvPr/>
         </p:nvPicPr>
         <p:blipFill>
-          <a:blip r:embed="rId5">
-            <a:extLst>
-              <a:ext uri="{28A0092B-C50C-407E-A947-70E740481C1C}">
-                <a14:useLocalDpi xmlns:a14="http://schemas.microsoft.com/office/drawing/2010/main" val="0"/>
-              </a:ext>
-            </a:extLst>
-          </a:blip>
-          <a:srcRect/>
+          <a:blip r:embed="rId5"/>
           <a:stretch>
             <a:fillRect/>
           </a:stretch>
         </p:blipFill>
-        <p:spPr bwMode="auto">
-          <a:xfrm>
-            <a:off x="7191781" y="1797050"/>
-            <a:ext cx="4557307" cy="3263900"/>
-          </a:xfrm>
-          <a:prstGeom prst="rect">
-            <a:avLst/>
-          </a:prstGeom>
-          <a:noFill/>
-          <a:extLst>
-            <a:ext uri="{909E8E84-426E-40DD-AFC4-6F175D3DCCD1}">
-              <a14:hiddenFill xmlns:a14="http://schemas.microsoft.com/office/drawing/2010/main">
-                <a:solidFill>
-                  <a:srgbClr val="FFFFFF"/>
-                </a:solidFill>
-              </a14:hiddenFill>
-            </a:ext>
-          </a:extLst>
+        <p:spPr>
+          <a:xfrm>
+            <a:off x="6819900" y="1040374"/>
+            <a:ext cx="5219700" cy="5350397"/>
+          </a:xfrm>
+          <a:prstGeom prst="rect">
+            <a:avLst/>
+          </a:prstGeom>
         </p:spPr>
       </p:pic>
     </p:spTree>

--- a/PathogenDataCourse/SlideSets/StrainTypingAndGenEpi.pptx
+++ b/PathogenDataCourse/SlideSets/StrainTypingAndGenEpi.pptx
@@ -1706,7 +1706,7 @@
           <a:p>
             <a:fld id="{C4181D7C-81F1-BA48-B0CF-02C398C91972}" type="datetimeFigureOut">
               <a:rPr lang="en-US" smtClean="0"/>
-              <a:t>7/17/23</a:t>
+              <a:t>7/18/23</a:t>
             </a:fld>
             <a:endParaRPr lang="en-US"/>
           </a:p>
@@ -3332,7 +3332,7 @@
             <a:fld id="{197342E9-89D0-D246-B0E5-635614E13D75}" type="datetime1">
               <a:rPr lang="en-GB" smtClean="0"/>
               <a:pPr/>
-              <a:t>17/07/2023</a:t>
+              <a:t>18/07/2023</a:t>
             </a:fld>
             <a:endParaRPr lang="en-US" dirty="0"/>
           </a:p>
@@ -7950,7 +7950,7 @@
             <a:fld id="{197342E9-89D0-D246-B0E5-635614E13D75}" type="datetime1">
               <a:rPr lang="en-GB" smtClean="0"/>
               <a:pPr/>
-              <a:t>17/07/2023</a:t>
+              <a:t>18/07/2023</a:t>
             </a:fld>
             <a:endParaRPr lang="en-US" dirty="0"/>
           </a:p>
@@ -11033,7 +11033,7 @@
             <a:fld id="{197342E9-89D0-D246-B0E5-635614E13D75}" type="datetime1">
               <a:rPr lang="en-GB" smtClean="0"/>
               <a:pPr/>
-              <a:t>17/07/2023</a:t>
+              <a:t>18/07/2023</a:t>
             </a:fld>
             <a:endParaRPr lang="en-US" dirty="0"/>
           </a:p>
@@ -14649,12 +14649,20 @@
           <a:p>
             <a:pPr algn="ctr"/>
             <a:r>
+              <a:rPr lang="en-US" dirty="0" err="1">
+                <a:solidFill>
+                  <a:schemeClr val="accent1"/>
+                </a:solidFill>
+              </a:rPr>
+              <a:t>MiniHash</a:t>
+            </a:r>
+            <a:r>
               <a:rPr lang="en-US" dirty="0">
                 <a:solidFill>
                   <a:schemeClr val="accent1"/>
                 </a:solidFill>
               </a:rPr>
-              <a:t>Mash-based approaches</a:t>
+              <a:t>-based approaches</a:t>
             </a:r>
           </a:p>
         </p:txBody>
@@ -14723,8 +14731,13 @@
             <a:pPr algn="just"/>
             <a:r>
               <a:rPr lang="en-GB" noProof="0" dirty="0"/>
-              <a:t>Mash</a:t>
-            </a:r>
+              <a:t>Mash (based on </a:t>
+            </a:r>
+            <a:r>
+              <a:rPr lang="en-GB" noProof="0"/>
+              <a:t>MiniHash</a:t>
+            </a:r>
+            <a:endParaRPr lang="en-GB" noProof="0" dirty="0"/>
           </a:p>
           <a:p>
             <a:pPr lvl="1" algn="just"/>
@@ -18091,21 +18104,6 @@
 </file>
 
 <file path=customXml/item1.xml><?xml version="1.0" encoding="utf-8"?>
-<?mso-contentType ?>
-<FormTemplates xmlns="http://schemas.microsoft.com/sharepoint/v3/contenttype/forms">
-  <Display>DocumentLibraryForm</Display>
-  <Edit>DocumentLibraryForm</Edit>
-  <New>DocumentLibraryForm</New>
-</FormTemplates>
-</file>
-
-<file path=customXml/item2.xml><?xml version="1.0" encoding="utf-8"?>
-<p:properties xmlns:p="http://schemas.microsoft.com/office/2006/metadata/properties" xmlns:xsi="http://www.w3.org/2001/XMLSchema-instance" xmlns:pc="http://schemas.microsoft.com/office/infopath/2007/PartnerControls">
-  <documentManagement/>
-</p:properties>
-</file>
-
-<file path=customXml/item3.xml><?xml version="1.0" encoding="utf-8"?>
 <ct:contentTypeSchema xmlns:ct="http://schemas.microsoft.com/office/2006/metadata/contentType" xmlns:ma="http://schemas.microsoft.com/office/2006/metadata/properties/metaAttributes" ct:_="" ma:_="" ma:contentTypeName="Document" ma:contentTypeID="0x010100E248A64365211844BF30BC3ADD420261" ma:contentTypeVersion="11" ma:contentTypeDescription="Create a new document." ma:contentTypeScope="" ma:versionID="bf0b94b058452ed3cec91f89e664909d">
   <xsd:schema xmlns:xsd="http://www.w3.org/2001/XMLSchema" xmlns:xs="http://www.w3.org/2001/XMLSchema" xmlns:p="http://schemas.microsoft.com/office/2006/metadata/properties" xmlns:ns2="8dbe2aa3-3237-4830-85c4-3d48417ef302" xmlns:ns3="b317b901-4ab4-4161-80c3-da5df50c25bf" targetNamespace="http://schemas.microsoft.com/office/2006/metadata/properties" ma:root="true" ma:fieldsID="d988d784501c0b668dd73c0ebdbd98a4" ns2:_="" ns3:_="">
     <xsd:import namespace="8dbe2aa3-3237-4830-85c4-3d48417ef302"/>
@@ -18316,10 +18314,36 @@
 </ct:contentTypeSchema>
 </file>
 
+<file path=customXml/item2.xml><?xml version="1.0" encoding="utf-8"?>
+<p:properties xmlns:p="http://schemas.microsoft.com/office/2006/metadata/properties" xmlns:xsi="http://www.w3.org/2001/XMLSchema-instance" xmlns:pc="http://schemas.microsoft.com/office/infopath/2007/PartnerControls">
+  <documentManagement/>
+</p:properties>
+</file>
+
+<file path=customXml/item3.xml><?xml version="1.0" encoding="utf-8"?>
+<?mso-contentType ?>
+<FormTemplates xmlns="http://schemas.microsoft.com/sharepoint/v3/contenttype/forms">
+  <Display>DocumentLibraryForm</Display>
+  <Edit>DocumentLibraryForm</Edit>
+  <New>DocumentLibraryForm</New>
+</FormTemplates>
+</file>
+
 <file path=customXml/itemProps1.xml><?xml version="1.0" encoding="utf-8"?>
-<ds:datastoreItem xmlns:ds="http://schemas.openxmlformats.org/officeDocument/2006/customXml" ds:itemID="{B1063616-57F3-4C87-BB7F-2974CF36DE76}">
+<ds:datastoreItem xmlns:ds="http://schemas.openxmlformats.org/officeDocument/2006/customXml" ds:itemID="{72E4F038-6994-4608-A1EA-AF583DA06B5C}">
   <ds:schemaRefs>
-    <ds:schemaRef ds:uri="http://schemas.microsoft.com/sharepoint/v3/contenttype/forms"/>
+    <ds:schemaRef ds:uri="http://schemas.microsoft.com/office/2006/metadata/contentType"/>
+    <ds:schemaRef ds:uri="http://schemas.microsoft.com/office/2006/metadata/properties/metaAttributes"/>
+    <ds:schemaRef ds:uri="http://www.w3.org/2001/XMLSchema"/>
+    <ds:schemaRef ds:uri="http://schemas.microsoft.com/office/2006/metadata/properties"/>
+    <ds:schemaRef ds:uri="8dbe2aa3-3237-4830-85c4-3d48417ef302"/>
+    <ds:schemaRef ds:uri="b317b901-4ab4-4161-80c3-da5df50c25bf"/>
+    <ds:schemaRef ds:uri="http://schemas.microsoft.com/office/2006/documentManagement/types"/>
+    <ds:schemaRef ds:uri="http://schemas.microsoft.com/office/infopath/2007/PartnerControls"/>
+    <ds:schemaRef ds:uri="http://schemas.openxmlformats.org/package/2006/metadata/core-properties"/>
+    <ds:schemaRef ds:uri="http://purl.org/dc/elements/1.1/"/>
+    <ds:schemaRef ds:uri="http://purl.org/dc/terms/"/>
+    <ds:schemaRef ds:uri="http://schemas.microsoft.com/internal/obd"/>
   </ds:schemaRefs>
 </ds:datastoreItem>
 </file>
@@ -18342,20 +18366,9 @@
 </file>
 
 <file path=customXml/itemProps3.xml><?xml version="1.0" encoding="utf-8"?>
-<ds:datastoreItem xmlns:ds="http://schemas.openxmlformats.org/officeDocument/2006/customXml" ds:itemID="{72E4F038-6994-4608-A1EA-AF583DA06B5C}">
+<ds:datastoreItem xmlns:ds="http://schemas.openxmlformats.org/officeDocument/2006/customXml" ds:itemID="{B1063616-57F3-4C87-BB7F-2974CF36DE76}">
   <ds:schemaRefs>
-    <ds:schemaRef ds:uri="http://schemas.microsoft.com/office/2006/metadata/contentType"/>
-    <ds:schemaRef ds:uri="http://schemas.microsoft.com/office/2006/metadata/properties/metaAttributes"/>
-    <ds:schemaRef ds:uri="http://www.w3.org/2001/XMLSchema"/>
-    <ds:schemaRef ds:uri="http://schemas.microsoft.com/office/2006/metadata/properties"/>
-    <ds:schemaRef ds:uri="8dbe2aa3-3237-4830-85c4-3d48417ef302"/>
-    <ds:schemaRef ds:uri="b317b901-4ab4-4161-80c3-da5df50c25bf"/>
-    <ds:schemaRef ds:uri="http://schemas.microsoft.com/office/2006/documentManagement/types"/>
-    <ds:schemaRef ds:uri="http://schemas.microsoft.com/office/infopath/2007/PartnerControls"/>
-    <ds:schemaRef ds:uri="http://schemas.openxmlformats.org/package/2006/metadata/core-properties"/>
-    <ds:schemaRef ds:uri="http://purl.org/dc/elements/1.1/"/>
-    <ds:schemaRef ds:uri="http://purl.org/dc/terms/"/>
-    <ds:schemaRef ds:uri="http://schemas.microsoft.com/internal/obd"/>
+    <ds:schemaRef ds:uri="http://schemas.microsoft.com/sharepoint/v3/contenttype/forms"/>
   </ds:schemaRefs>
 </ds:datastoreItem>
 </file>
--- a/PathogenDataCourse/SlideSets/StrainTypingAndGenEpi.pptx
+++ b/PathogenDataCourse/SlideSets/StrainTypingAndGenEpi.pptx
@@ -14654,7 +14654,7 @@
                   <a:schemeClr val="accent1"/>
                 </a:solidFill>
               </a:rPr>
-              <a:t>MiniHash</a:t>
+              <a:t>MinHash</a:t>
             </a:r>
             <a:r>
               <a:rPr lang="en-US" dirty="0">
@@ -14724,7 +14724,7 @@
         </p:spPr>
         <p:txBody>
           <a:bodyPr>
-            <a:normAutofit fontScale="92500"/>
+            <a:normAutofit fontScale="92500" lnSpcReduction="10000"/>
           </a:bodyPr>
           <a:lstStyle/>
           <a:p>
@@ -14734,10 +14734,13 @@
               <a:t>Mash (based on </a:t>
             </a:r>
             <a:r>
-              <a:rPr lang="en-GB" noProof="0"/>
-              <a:t>MiniHash</a:t>
-            </a:r>
-            <a:endParaRPr lang="en-GB" noProof="0" dirty="0"/>
+              <a:rPr lang="en-GB" noProof="0" dirty="0" err="1"/>
+              <a:t>MinHash</a:t>
+            </a:r>
+            <a:r>
+              <a:rPr lang="en-GB" noProof="0" dirty="0"/>
+              <a:t>)</a:t>
+            </a:r>
           </a:p>
           <a:p>
             <a:pPr lvl="1" algn="just"/>
@@ -14808,6 +14811,18 @@
               <a:rPr lang="en-GB" dirty="0"/>
               <a:t>Are there transmission clusters in my data?</a:t>
             </a:r>
+          </a:p>
+          <a:p>
+            <a:pPr lvl="1" algn="just"/>
+            <a:r>
+              <a:rPr lang="en-GB" noProof="0" dirty="0"/>
+              <a:t>Do my sequences belong to existing clusters/</a:t>
+            </a:r>
+            <a:r>
+              <a:rPr lang="en-GB" noProof="0"/>
+              <a:t>types?</a:t>
+            </a:r>
+            <a:endParaRPr lang="en-GB" dirty="0"/>
           </a:p>
           <a:p>
             <a:pPr algn="just"/>
@@ -15461,99 +15476,58 @@
         </p:spPr>
         <p:txBody>
           <a:bodyPr>
-            <a:normAutofit lnSpcReduction="10000"/>
+            <a:normAutofit/>
           </a:bodyPr>
           <a:lstStyle/>
           <a:p>
             <a:r>
               <a:rPr lang="en-GB" sz="2800" noProof="0" dirty="0"/>
-              <a:t>Typing bacterial strains</a:t>
-            </a:r>
-          </a:p>
-          <a:p>
-            <a:pPr lvl="1"/>
+              <a:t>State the different levels at which bacterial typing occurs</a:t>
+            </a:r>
+          </a:p>
+          <a:p>
+            <a:endParaRPr lang="en-GB" sz="2800" noProof="0" dirty="0"/>
+          </a:p>
+          <a:p>
+            <a:r>
+              <a:rPr lang="en-GB" sz="2800" noProof="0" dirty="0"/>
+              <a:t>Explain the basis of ANI and MLST for species and strain typing</a:t>
+            </a:r>
+          </a:p>
+          <a:p>
+            <a:endParaRPr lang="en-GB" sz="2500" noProof="0" dirty="0"/>
+          </a:p>
+          <a:p>
             <a:r>
               <a:rPr lang="en-GB" sz="2500" noProof="0" dirty="0"/>
-              <a:t>ANI</a:t>
-            </a:r>
-          </a:p>
-          <a:p>
-            <a:pPr lvl="1"/>
-            <a:r>
-              <a:rPr lang="en-GB" sz="2500" noProof="0" dirty="0"/>
-              <a:t>MLST</a:t>
-            </a:r>
-          </a:p>
-          <a:p>
-            <a:pPr lvl="2"/>
-            <a:r>
-              <a:rPr lang="en-GB" sz="2300" noProof="0" dirty="0"/>
-              <a:t>Species-specific schemes</a:t>
-            </a:r>
-          </a:p>
-          <a:p>
-            <a:pPr lvl="1"/>
+              <a:t>State the differences between MLST and </a:t>
+            </a:r>
             <a:r>
               <a:rPr lang="en-GB" sz="2500" noProof="0" dirty="0" err="1"/>
               <a:t>cgMLST</a:t>
             </a:r>
+            <a:r>
+              <a:rPr lang="en-GB" sz="2500" noProof="0" dirty="0"/>
+              <a:t> in terms of resolution and use</a:t>
+            </a:r>
+          </a:p>
+          <a:p>
+            <a:endParaRPr lang="en-GB" dirty="0"/>
+          </a:p>
+          <a:p>
+            <a:r>
+              <a:rPr lang="en-GB" dirty="0"/>
+              <a:t>Recognise </a:t>
+            </a:r>
+            <a:r>
+              <a:rPr lang="en-GB" dirty="0" err="1"/>
+              <a:t>MinHash</a:t>
+            </a:r>
+            <a:r>
+              <a:rPr lang="en-GB" dirty="0"/>
+              <a:t> and MST approaches for genomic epidemiology</a:t>
+            </a:r>
             <a:endParaRPr lang="en-GB" sz="2500" noProof="0" dirty="0"/>
-          </a:p>
-          <a:p>
-            <a:pPr lvl="1"/>
-            <a:r>
-              <a:rPr lang="en-GB" sz="2500" noProof="0" dirty="0"/>
-              <a:t>Lineages</a:t>
-            </a:r>
-          </a:p>
-          <a:p>
-            <a:pPr lvl="1"/>
-            <a:r>
-              <a:rPr lang="en-GB" sz="2500" noProof="0" dirty="0"/>
-              <a:t>Lineage defining SNPs</a:t>
-            </a:r>
-          </a:p>
-          <a:p>
-            <a:r>
-              <a:rPr lang="en-GB" sz="2800" noProof="0" dirty="0"/>
-              <a:t>Matching samples</a:t>
-            </a:r>
-          </a:p>
-          <a:p>
-            <a:pPr lvl="1"/>
-            <a:r>
-              <a:rPr lang="en-GB" sz="2500" noProof="0" dirty="0" err="1"/>
-              <a:t>Sourmash</a:t>
-            </a:r>
-            <a:r>
-              <a:rPr lang="en-GB" sz="2500" noProof="0" dirty="0"/>
-              <a:t> and sketches</a:t>
-            </a:r>
-          </a:p>
-          <a:p>
-            <a:pPr lvl="1"/>
-            <a:r>
-              <a:rPr lang="en-GB" sz="2500" noProof="0" dirty="0"/>
-              <a:t>Minimum spanning trees</a:t>
-            </a:r>
-          </a:p>
-          <a:p>
-            <a:pPr lvl="1"/>
-            <a:r>
-              <a:rPr lang="en-GB" sz="2500" noProof="0" dirty="0"/>
-              <a:t>MRSA example</a:t>
-            </a:r>
-          </a:p>
-          <a:p>
-            <a:pPr lvl="1"/>
-            <a:r>
-              <a:rPr lang="en-GB" sz="2500" noProof="0" dirty="0" err="1"/>
-              <a:t>PopPUNK</a:t>
-            </a:r>
-            <a:r>
-              <a:rPr lang="en-GB" sz="2500" noProof="0" dirty="0"/>
-              <a:t> in variable populations</a:t>
-            </a:r>
           </a:p>
         </p:txBody>
       </p:sp>
@@ -18104,6 +18078,21 @@
 </file>
 
 <file path=customXml/item1.xml><?xml version="1.0" encoding="utf-8"?>
+<?mso-contentType ?>
+<FormTemplates xmlns="http://schemas.microsoft.com/sharepoint/v3/contenttype/forms">
+  <Display>DocumentLibraryForm</Display>
+  <Edit>DocumentLibraryForm</Edit>
+  <New>DocumentLibraryForm</New>
+</FormTemplates>
+</file>
+
+<file path=customXml/item2.xml><?xml version="1.0" encoding="utf-8"?>
+<p:properties xmlns:p="http://schemas.microsoft.com/office/2006/metadata/properties" xmlns:xsi="http://www.w3.org/2001/XMLSchema-instance" xmlns:pc="http://schemas.microsoft.com/office/infopath/2007/PartnerControls">
+  <documentManagement/>
+</p:properties>
+</file>
+
+<file path=customXml/item3.xml><?xml version="1.0" encoding="utf-8"?>
 <ct:contentTypeSchema xmlns:ct="http://schemas.microsoft.com/office/2006/metadata/contentType" xmlns:ma="http://schemas.microsoft.com/office/2006/metadata/properties/metaAttributes" ct:_="" ma:_="" ma:contentTypeName="Document" ma:contentTypeID="0x010100E248A64365211844BF30BC3ADD420261" ma:contentTypeVersion="11" ma:contentTypeDescription="Create a new document." ma:contentTypeScope="" ma:versionID="bf0b94b058452ed3cec91f89e664909d">
   <xsd:schema xmlns:xsd="http://www.w3.org/2001/XMLSchema" xmlns:xs="http://www.w3.org/2001/XMLSchema" xmlns:p="http://schemas.microsoft.com/office/2006/metadata/properties" xmlns:ns2="8dbe2aa3-3237-4830-85c4-3d48417ef302" xmlns:ns3="b317b901-4ab4-4161-80c3-da5df50c25bf" targetNamespace="http://schemas.microsoft.com/office/2006/metadata/properties" ma:root="true" ma:fieldsID="d988d784501c0b668dd73c0ebdbd98a4" ns2:_="" ns3:_="">
     <xsd:import namespace="8dbe2aa3-3237-4830-85c4-3d48417ef302"/>
@@ -18314,36 +18303,10 @@
 </ct:contentTypeSchema>
 </file>
 
-<file path=customXml/item2.xml><?xml version="1.0" encoding="utf-8"?>
-<p:properties xmlns:p="http://schemas.microsoft.com/office/2006/metadata/properties" xmlns:xsi="http://www.w3.org/2001/XMLSchema-instance" xmlns:pc="http://schemas.microsoft.com/office/infopath/2007/PartnerControls">
-  <documentManagement/>
-</p:properties>
-</file>
-
-<file path=customXml/item3.xml><?xml version="1.0" encoding="utf-8"?>
-<?mso-contentType ?>
-<FormTemplates xmlns="http://schemas.microsoft.com/sharepoint/v3/contenttype/forms">
-  <Display>DocumentLibraryForm</Display>
-  <Edit>DocumentLibraryForm</Edit>
-  <New>DocumentLibraryForm</New>
-</FormTemplates>
-</file>
-
 <file path=customXml/itemProps1.xml><?xml version="1.0" encoding="utf-8"?>
-<ds:datastoreItem xmlns:ds="http://schemas.openxmlformats.org/officeDocument/2006/customXml" ds:itemID="{72E4F038-6994-4608-A1EA-AF583DA06B5C}">
+<ds:datastoreItem xmlns:ds="http://schemas.openxmlformats.org/officeDocument/2006/customXml" ds:itemID="{B1063616-57F3-4C87-BB7F-2974CF36DE76}">
   <ds:schemaRefs>
-    <ds:schemaRef ds:uri="http://schemas.microsoft.com/office/2006/metadata/contentType"/>
-    <ds:schemaRef ds:uri="http://schemas.microsoft.com/office/2006/metadata/properties/metaAttributes"/>
-    <ds:schemaRef ds:uri="http://www.w3.org/2001/XMLSchema"/>
-    <ds:schemaRef ds:uri="http://schemas.microsoft.com/office/2006/metadata/properties"/>
-    <ds:schemaRef ds:uri="8dbe2aa3-3237-4830-85c4-3d48417ef302"/>
-    <ds:schemaRef ds:uri="b317b901-4ab4-4161-80c3-da5df50c25bf"/>
-    <ds:schemaRef ds:uri="http://schemas.microsoft.com/office/2006/documentManagement/types"/>
-    <ds:schemaRef ds:uri="http://schemas.microsoft.com/office/infopath/2007/PartnerControls"/>
-    <ds:schemaRef ds:uri="http://schemas.openxmlformats.org/package/2006/metadata/core-properties"/>
-    <ds:schemaRef ds:uri="http://purl.org/dc/elements/1.1/"/>
-    <ds:schemaRef ds:uri="http://purl.org/dc/terms/"/>
-    <ds:schemaRef ds:uri="http://schemas.microsoft.com/internal/obd"/>
+    <ds:schemaRef ds:uri="http://schemas.microsoft.com/sharepoint/v3/contenttype/forms"/>
   </ds:schemaRefs>
 </ds:datastoreItem>
 </file>
@@ -18366,9 +18329,20 @@
 </file>
 
 <file path=customXml/itemProps3.xml><?xml version="1.0" encoding="utf-8"?>
-<ds:datastoreItem xmlns:ds="http://schemas.openxmlformats.org/officeDocument/2006/customXml" ds:itemID="{B1063616-57F3-4C87-BB7F-2974CF36DE76}">
+<ds:datastoreItem xmlns:ds="http://schemas.openxmlformats.org/officeDocument/2006/customXml" ds:itemID="{72E4F038-6994-4608-A1EA-AF583DA06B5C}">
   <ds:schemaRefs>
-    <ds:schemaRef ds:uri="http://schemas.microsoft.com/sharepoint/v3/contenttype/forms"/>
+    <ds:schemaRef ds:uri="http://schemas.microsoft.com/office/2006/metadata/contentType"/>
+    <ds:schemaRef ds:uri="http://schemas.microsoft.com/office/2006/metadata/properties/metaAttributes"/>
+    <ds:schemaRef ds:uri="http://www.w3.org/2001/XMLSchema"/>
+    <ds:schemaRef ds:uri="http://schemas.microsoft.com/office/2006/metadata/properties"/>
+    <ds:schemaRef ds:uri="8dbe2aa3-3237-4830-85c4-3d48417ef302"/>
+    <ds:schemaRef ds:uri="b317b901-4ab4-4161-80c3-da5df50c25bf"/>
+    <ds:schemaRef ds:uri="http://schemas.microsoft.com/office/2006/documentManagement/types"/>
+    <ds:schemaRef ds:uri="http://schemas.microsoft.com/office/infopath/2007/PartnerControls"/>
+    <ds:schemaRef ds:uri="http://schemas.openxmlformats.org/package/2006/metadata/core-properties"/>
+    <ds:schemaRef ds:uri="http://purl.org/dc/elements/1.1/"/>
+    <ds:schemaRef ds:uri="http://purl.org/dc/terms/"/>
+    <ds:schemaRef ds:uri="http://schemas.microsoft.com/internal/obd"/>
   </ds:schemaRefs>
 </ds:datastoreItem>
 </file>
--- a/PathogenDataCourse/SlideSets/StrainTypingAndGenEpi.pptx
+++ b/PathogenDataCourse/SlideSets/StrainTypingAndGenEpi.pptx
@@ -5,7 +5,7 @@
     <p:sldMasterId id="2147483648" r:id="rId4"/>
   </p:sldMasterIdLst>
   <p:notesMasterIdLst>
-    <p:notesMasterId r:id="rId19"/>
+    <p:notesMasterId r:id="rId20"/>
   </p:notesMasterIdLst>
   <p:sldIdLst>
     <p:sldId id="256" r:id="rId5"/>
@@ -22,6 +22,7 @@
     <p:sldId id="420" r:id="rId16"/>
     <p:sldId id="421" r:id="rId17"/>
     <p:sldId id="422" r:id="rId18"/>
+    <p:sldId id="423" r:id="rId19"/>
   </p:sldIdLst>
   <p:sldSz cx="12192000" cy="6858000"/>
   <p:notesSz cx="6858000" cy="9144000"/>
@@ -2394,6 +2395,90 @@
 </p:notes>
 </file>
 
+<file path=ppt/notesSlides/notesSlide14.xml><?xml version="1.0" encoding="utf-8"?>
+<p:notes xmlns:a="http://schemas.openxmlformats.org/drawingml/2006/main" xmlns:r="http://schemas.openxmlformats.org/officeDocument/2006/relationships" xmlns:p="http://schemas.openxmlformats.org/presentationml/2006/main">
+  <p:cSld>
+    <p:spTree>
+      <p:nvGrpSpPr>
+        <p:cNvPr id="1" name=""/>
+        <p:cNvGrpSpPr/>
+        <p:nvPr/>
+      </p:nvGrpSpPr>
+      <p:grpSpPr>
+        <a:xfrm>
+          <a:off x="0" y="0"/>
+          <a:ext cx="0" cy="0"/>
+          <a:chOff x="0" y="0"/>
+          <a:chExt cx="0" cy="0"/>
+        </a:xfrm>
+      </p:grpSpPr>
+      <p:sp>
+        <p:nvSpPr>
+          <p:cNvPr id="2" name="Slide Image Placeholder 1"/>
+          <p:cNvSpPr>
+            <a:spLocks noGrp="1" noRot="1" noChangeAspect="1"/>
+          </p:cNvSpPr>
+          <p:nvPr>
+            <p:ph type="sldImg"/>
+          </p:nvPr>
+        </p:nvSpPr>
+        <p:spPr/>
+      </p:sp>
+      <p:sp>
+        <p:nvSpPr>
+          <p:cNvPr id="3" name="Notes Placeholder 2"/>
+          <p:cNvSpPr>
+            <a:spLocks noGrp="1"/>
+          </p:cNvSpPr>
+          <p:nvPr>
+            <p:ph type="body" idx="1"/>
+          </p:nvPr>
+        </p:nvSpPr>
+        <p:spPr/>
+        <p:txBody>
+          <a:bodyPr/>
+          <a:lstStyle/>
+          <a:p>
+            <a:endParaRPr lang="en-US" dirty="0"/>
+          </a:p>
+        </p:txBody>
+      </p:sp>
+      <p:sp>
+        <p:nvSpPr>
+          <p:cNvPr id="4" name="Slide Number Placeholder 3"/>
+          <p:cNvSpPr>
+            <a:spLocks noGrp="1"/>
+          </p:cNvSpPr>
+          <p:nvPr>
+            <p:ph type="sldNum" sz="quarter" idx="5"/>
+          </p:nvPr>
+        </p:nvSpPr>
+        <p:spPr/>
+        <p:txBody>
+          <a:bodyPr/>
+          <a:lstStyle/>
+          <a:p>
+            <a:fld id="{D7F88987-9C11-FC43-B2CE-3A9A6A29209B}" type="slidenum">
+              <a:rPr lang="en-US" smtClean="0"/>
+              <a:t>15</a:t>
+            </a:fld>
+            <a:endParaRPr lang="en-US"/>
+          </a:p>
+        </p:txBody>
+      </p:sp>
+    </p:spTree>
+    <p:extLst>
+      <p:ext uri="{BB962C8B-B14F-4D97-AF65-F5344CB8AC3E}">
+        <p14:creationId xmlns:p14="http://schemas.microsoft.com/office/powerpoint/2010/main" val="518508016"/>
+      </p:ext>
+    </p:extLst>
+  </p:cSld>
+  <p:clrMapOvr>
+    <a:masterClrMapping/>
+  </p:clrMapOvr>
+</p:notes>
+</file>
+
 <file path=ppt/notesSlides/notesSlide2.xml><?xml version="1.0" encoding="utf-8"?>
 <p:notes xmlns:a="http://schemas.openxmlformats.org/drawingml/2006/main" xmlns:r="http://schemas.openxmlformats.org/officeDocument/2006/relationships" xmlns:p="http://schemas.openxmlformats.org/presentationml/2006/main">
   <p:cSld>
@@ -14816,11 +14901,7 @@
             <a:pPr lvl="1" algn="just"/>
             <a:r>
               <a:rPr lang="en-GB" noProof="0" dirty="0"/>
-              <a:t>Do my sequences belong to existing clusters/</a:t>
-            </a:r>
-            <a:r>
-              <a:rPr lang="en-GB" noProof="0"/>
-              <a:t>types?</a:t>
+              <a:t>Do my sequences belong to existing clusters/types?</a:t>
             </a:r>
             <a:endParaRPr lang="en-GB" dirty="0"/>
           </a:p>
@@ -15338,6 +15419,203 @@
     <p:extLst>
       <p:ext uri="{BB962C8B-B14F-4D97-AF65-F5344CB8AC3E}">
         <p14:creationId xmlns:p14="http://schemas.microsoft.com/office/powerpoint/2010/main" val="307152896"/>
+      </p:ext>
+    </p:extLst>
+  </p:cSld>
+  <p:clrMapOvr>
+    <a:masterClrMapping/>
+  </p:clrMapOvr>
+</p:sld>
+</file>
+
+<file path=ppt/slides/slide15.xml><?xml version="1.0" encoding="utf-8"?>
+<p:sld xmlns:a="http://schemas.openxmlformats.org/drawingml/2006/main" xmlns:r="http://schemas.openxmlformats.org/officeDocument/2006/relationships" xmlns:p="http://schemas.openxmlformats.org/presentationml/2006/main">
+  <p:cSld>
+    <p:spTree>
+      <p:nvGrpSpPr>
+        <p:cNvPr id="1" name=""/>
+        <p:cNvGrpSpPr/>
+        <p:nvPr/>
+      </p:nvGrpSpPr>
+      <p:grpSpPr>
+        <a:xfrm>
+          <a:off x="0" y="0"/>
+          <a:ext cx="0" cy="0"/>
+          <a:chOff x="0" y="0"/>
+          <a:chExt cx="0" cy="0"/>
+        </a:xfrm>
+      </p:grpSpPr>
+      <p:sp>
+        <p:nvSpPr>
+          <p:cNvPr id="8" name="Title 1">
+            <a:extLst>
+              <a:ext uri="{FF2B5EF4-FFF2-40B4-BE49-F238E27FC236}">
+                <a16:creationId xmlns:a16="http://schemas.microsoft.com/office/drawing/2014/main" id="{551F150B-CD36-EC43-A80B-C4F967B90C86}"/>
+              </a:ext>
+            </a:extLst>
+          </p:cNvPr>
+          <p:cNvSpPr txBox="1">
+            <a:spLocks/>
+          </p:cNvSpPr>
+          <p:nvPr/>
+        </p:nvSpPr>
+        <p:spPr>
+          <a:xfrm>
+            <a:off x="442912" y="444398"/>
+            <a:ext cx="11306176" cy="681875"/>
+          </a:xfrm>
+          <a:prstGeom prst="rect">
+            <a:avLst/>
+          </a:prstGeom>
+        </p:spPr>
+        <p:txBody>
+          <a:bodyPr vert="horz" lIns="0" tIns="45720" rIns="91440" bIns="45720" rtlCol="0" anchor="ctr" anchorCtr="0">
+            <a:normAutofit fontScale="90000" lnSpcReduction="10000"/>
+          </a:bodyPr>
+          <a:lstStyle>
+            <a:lvl1pPr algn="l" defTabSz="914400" rtl="0" eaLnBrk="1" latinLnBrk="0" hangingPunct="1">
+              <a:lnSpc>
+                <a:spcPct val="100000"/>
+              </a:lnSpc>
+              <a:spcBef>
+                <a:spcPct val="0"/>
+              </a:spcBef>
+              <a:buNone/>
+              <a:defRPr sz="4400" b="1" kern="1200">
+                <a:solidFill>
+                  <a:srgbClr val="E6005B"/>
+                </a:solidFill>
+                <a:latin typeface="Arial" panose="020B0604020202020204" pitchFamily="34" charset="0"/>
+                <a:ea typeface="+mj-ea"/>
+                <a:cs typeface="Arial" panose="020B0604020202020204" pitchFamily="34" charset="0"/>
+              </a:defRPr>
+            </a:lvl1pPr>
+          </a:lstStyle>
+          <a:p>
+            <a:pPr algn="ctr"/>
+            <a:r>
+              <a:rPr lang="en-US" dirty="0"/>
+              <a:t>Learning outcomes</a:t>
+            </a:r>
+          </a:p>
+        </p:txBody>
+      </p:sp>
+      <p:sp>
+        <p:nvSpPr>
+          <p:cNvPr id="2" name="TextBox 1">
+            <a:extLst>
+              <a:ext uri="{FF2B5EF4-FFF2-40B4-BE49-F238E27FC236}">
+                <a16:creationId xmlns:a16="http://schemas.microsoft.com/office/drawing/2014/main" id="{A18A5017-86B8-8244-A6D6-22EB3CBB778D}"/>
+              </a:ext>
+            </a:extLst>
+          </p:cNvPr>
+          <p:cNvSpPr txBox="1"/>
+          <p:nvPr/>
+        </p:nvSpPr>
+        <p:spPr>
+          <a:xfrm>
+            <a:off x="1427356" y="3044283"/>
+            <a:ext cx="0" cy="0"/>
+          </a:xfrm>
+          <a:prstGeom prst="rect">
+            <a:avLst/>
+          </a:prstGeom>
+          <a:noFill/>
+        </p:spPr>
+        <p:txBody>
+          <a:bodyPr wrap="none" lIns="0" tIns="0" rIns="0" bIns="0" rtlCol="0" anchor="b" anchorCtr="0">
+            <a:normAutofit fontScale="25000" lnSpcReduction="20000"/>
+          </a:bodyPr>
+          <a:lstStyle/>
+          <a:p>
+            <a:pPr algn="r"/>
+            <a:endParaRPr lang="en-US" dirty="0"/>
+          </a:p>
+        </p:txBody>
+      </p:sp>
+      <p:sp>
+        <p:nvSpPr>
+          <p:cNvPr id="9" name="Tijdelijke aanduiding voor inhoud 5">
+            <a:extLst>
+              <a:ext uri="{FF2B5EF4-FFF2-40B4-BE49-F238E27FC236}">
+                <a16:creationId xmlns:a16="http://schemas.microsoft.com/office/drawing/2014/main" id="{236654F0-D29E-AE4F-A966-9762A2AB84EB}"/>
+              </a:ext>
+            </a:extLst>
+          </p:cNvPr>
+          <p:cNvSpPr>
+            <a:spLocks noGrp="1"/>
+          </p:cNvSpPr>
+          <p:nvPr>
+            <p:ph idx="1"/>
+          </p:nvPr>
+        </p:nvSpPr>
+        <p:spPr>
+          <a:xfrm>
+            <a:off x="987972" y="1222626"/>
+            <a:ext cx="10657490" cy="5140548"/>
+          </a:xfrm>
+        </p:spPr>
+        <p:txBody>
+          <a:bodyPr>
+            <a:normAutofit/>
+          </a:bodyPr>
+          <a:lstStyle/>
+          <a:p>
+            <a:r>
+              <a:rPr lang="en-GB" sz="2800" noProof="0" dirty="0"/>
+              <a:t>State the different levels at which bacterial typing occurs</a:t>
+            </a:r>
+          </a:p>
+          <a:p>
+            <a:endParaRPr lang="en-GB" sz="2800" noProof="0" dirty="0"/>
+          </a:p>
+          <a:p>
+            <a:r>
+              <a:rPr lang="en-GB" sz="2800" noProof="0" dirty="0"/>
+              <a:t>Explain the basis of ANI and MLST for species and strain typing</a:t>
+            </a:r>
+          </a:p>
+          <a:p>
+            <a:endParaRPr lang="en-GB" sz="2500" noProof="0" dirty="0"/>
+          </a:p>
+          <a:p>
+            <a:r>
+              <a:rPr lang="en-GB" sz="2500" noProof="0" dirty="0"/>
+              <a:t>State the differences between MLST and </a:t>
+            </a:r>
+            <a:r>
+              <a:rPr lang="en-GB" sz="2500" noProof="0" dirty="0" err="1"/>
+              <a:t>cgMLST</a:t>
+            </a:r>
+            <a:r>
+              <a:rPr lang="en-GB" sz="2500" noProof="0" dirty="0"/>
+              <a:t> in terms of resolution and use</a:t>
+            </a:r>
+          </a:p>
+          <a:p>
+            <a:endParaRPr lang="en-GB" dirty="0"/>
+          </a:p>
+          <a:p>
+            <a:r>
+              <a:rPr lang="en-GB" dirty="0"/>
+              <a:t>Recognise </a:t>
+            </a:r>
+            <a:r>
+              <a:rPr lang="en-GB" dirty="0" err="1"/>
+              <a:t>MinHash</a:t>
+            </a:r>
+            <a:r>
+              <a:rPr lang="en-GB" dirty="0"/>
+              <a:t> and MST approaches for genomic epidemiology</a:t>
+            </a:r>
+            <a:endParaRPr lang="en-GB" sz="2500" noProof="0" dirty="0"/>
+          </a:p>
+        </p:txBody>
+      </p:sp>
+    </p:spTree>
+    <p:extLst>
+      <p:ext uri="{BB962C8B-B14F-4D97-AF65-F5344CB8AC3E}">
+        <p14:creationId xmlns:p14="http://schemas.microsoft.com/office/powerpoint/2010/main" val="2096327200"/>
       </p:ext>
     </p:extLst>
   </p:cSld>

--- a/PathogenDataCourse/SlideSets/StrainTypingAndGenEpi.pptx
+++ b/PathogenDataCourse/SlideSets/StrainTypingAndGenEpi.pptx
@@ -5,7 +5,7 @@
     <p:sldMasterId id="2147483648" r:id="rId4"/>
   </p:sldMasterIdLst>
   <p:notesMasterIdLst>
-    <p:notesMasterId r:id="rId20"/>
+    <p:notesMasterId r:id="rId21"/>
   </p:notesMasterIdLst>
   <p:sldIdLst>
     <p:sldId id="256" r:id="rId5"/>
@@ -22,7 +22,8 @@
     <p:sldId id="420" r:id="rId16"/>
     <p:sldId id="421" r:id="rId17"/>
     <p:sldId id="422" r:id="rId18"/>
-    <p:sldId id="423" r:id="rId19"/>
+    <p:sldId id="424" r:id="rId19"/>
+    <p:sldId id="423" r:id="rId20"/>
   </p:sldIdLst>
   <p:sldSz cx="12192000" cy="6858000"/>
   <p:notesSz cx="6858000" cy="9144000"/>
@@ -2469,6 +2470,90 @@
     </p:spTree>
     <p:extLst>
       <p:ext uri="{BB962C8B-B14F-4D97-AF65-F5344CB8AC3E}">
+        <p14:creationId xmlns:p14="http://schemas.microsoft.com/office/powerpoint/2010/main" val="460687190"/>
+      </p:ext>
+    </p:extLst>
+  </p:cSld>
+  <p:clrMapOvr>
+    <a:masterClrMapping/>
+  </p:clrMapOvr>
+</p:notes>
+</file>
+
+<file path=ppt/notesSlides/notesSlide15.xml><?xml version="1.0" encoding="utf-8"?>
+<p:notes xmlns:a="http://schemas.openxmlformats.org/drawingml/2006/main" xmlns:r="http://schemas.openxmlformats.org/officeDocument/2006/relationships" xmlns:p="http://schemas.openxmlformats.org/presentationml/2006/main">
+  <p:cSld>
+    <p:spTree>
+      <p:nvGrpSpPr>
+        <p:cNvPr id="1" name=""/>
+        <p:cNvGrpSpPr/>
+        <p:nvPr/>
+      </p:nvGrpSpPr>
+      <p:grpSpPr>
+        <a:xfrm>
+          <a:off x="0" y="0"/>
+          <a:ext cx="0" cy="0"/>
+          <a:chOff x="0" y="0"/>
+          <a:chExt cx="0" cy="0"/>
+        </a:xfrm>
+      </p:grpSpPr>
+      <p:sp>
+        <p:nvSpPr>
+          <p:cNvPr id="2" name="Slide Image Placeholder 1"/>
+          <p:cNvSpPr>
+            <a:spLocks noGrp="1" noRot="1" noChangeAspect="1"/>
+          </p:cNvSpPr>
+          <p:nvPr>
+            <p:ph type="sldImg"/>
+          </p:nvPr>
+        </p:nvSpPr>
+        <p:spPr/>
+      </p:sp>
+      <p:sp>
+        <p:nvSpPr>
+          <p:cNvPr id="3" name="Notes Placeholder 2"/>
+          <p:cNvSpPr>
+            <a:spLocks noGrp="1"/>
+          </p:cNvSpPr>
+          <p:nvPr>
+            <p:ph type="body" idx="1"/>
+          </p:nvPr>
+        </p:nvSpPr>
+        <p:spPr/>
+        <p:txBody>
+          <a:bodyPr/>
+          <a:lstStyle/>
+          <a:p>
+            <a:endParaRPr lang="en-US" dirty="0"/>
+          </a:p>
+        </p:txBody>
+      </p:sp>
+      <p:sp>
+        <p:nvSpPr>
+          <p:cNvPr id="4" name="Slide Number Placeholder 3"/>
+          <p:cNvSpPr>
+            <a:spLocks noGrp="1"/>
+          </p:cNvSpPr>
+          <p:nvPr>
+            <p:ph type="sldNum" sz="quarter" idx="5"/>
+          </p:nvPr>
+        </p:nvSpPr>
+        <p:spPr/>
+        <p:txBody>
+          <a:bodyPr/>
+          <a:lstStyle/>
+          <a:p>
+            <a:fld id="{D7F88987-9C11-FC43-B2CE-3A9A6A29209B}" type="slidenum">
+              <a:rPr lang="en-US" smtClean="0"/>
+              <a:t>16</a:t>
+            </a:fld>
+            <a:endParaRPr lang="en-US"/>
+          </a:p>
+        </p:txBody>
+      </p:sp>
+    </p:spTree>
+    <p:extLst>
+      <p:ext uri="{BB962C8B-B14F-4D97-AF65-F5344CB8AC3E}">
         <p14:creationId xmlns:p14="http://schemas.microsoft.com/office/powerpoint/2010/main" val="518508016"/>
       </p:ext>
     </p:extLst>
@@ -15429,6 +15514,367 @@
 </file>
 
 <file path=ppt/slides/slide15.xml><?xml version="1.0" encoding="utf-8"?>
+<p:sld xmlns:a="http://schemas.openxmlformats.org/drawingml/2006/main" xmlns:r="http://schemas.openxmlformats.org/officeDocument/2006/relationships" xmlns:p="http://schemas.openxmlformats.org/presentationml/2006/main">
+  <p:cSld>
+    <p:spTree>
+      <p:nvGrpSpPr>
+        <p:cNvPr id="1" name=""/>
+        <p:cNvGrpSpPr/>
+        <p:nvPr/>
+      </p:nvGrpSpPr>
+      <p:grpSpPr>
+        <a:xfrm>
+          <a:off x="0" y="0"/>
+          <a:ext cx="0" cy="0"/>
+          <a:chOff x="0" y="0"/>
+          <a:chExt cx="0" cy="0"/>
+        </a:xfrm>
+      </p:grpSpPr>
+      <p:sp>
+        <p:nvSpPr>
+          <p:cNvPr id="8" name="Title 1">
+            <a:extLst>
+              <a:ext uri="{FF2B5EF4-FFF2-40B4-BE49-F238E27FC236}">
+                <a16:creationId xmlns:a16="http://schemas.microsoft.com/office/drawing/2014/main" id="{551F150B-CD36-EC43-A80B-C4F967B90C86}"/>
+              </a:ext>
+            </a:extLst>
+          </p:cNvPr>
+          <p:cNvSpPr txBox="1">
+            <a:spLocks/>
+          </p:cNvSpPr>
+          <p:nvPr/>
+        </p:nvSpPr>
+        <p:spPr>
+          <a:xfrm>
+            <a:off x="442912" y="444398"/>
+            <a:ext cx="11306176" cy="681875"/>
+          </a:xfrm>
+          <a:prstGeom prst="rect">
+            <a:avLst/>
+          </a:prstGeom>
+        </p:spPr>
+        <p:txBody>
+          <a:bodyPr vert="horz" lIns="0" tIns="45720" rIns="91440" bIns="45720" rtlCol="0" anchor="ctr" anchorCtr="0">
+            <a:normAutofit fontScale="90000" lnSpcReduction="10000"/>
+          </a:bodyPr>
+          <a:lstStyle>
+            <a:lvl1pPr algn="l" defTabSz="914400" rtl="0" eaLnBrk="1" latinLnBrk="0" hangingPunct="1">
+              <a:lnSpc>
+                <a:spcPct val="100000"/>
+              </a:lnSpc>
+              <a:spcBef>
+                <a:spcPct val="0"/>
+              </a:spcBef>
+              <a:buNone/>
+              <a:defRPr sz="4400" b="1" kern="1200">
+                <a:solidFill>
+                  <a:srgbClr val="E6005B"/>
+                </a:solidFill>
+                <a:latin typeface="Arial" panose="020B0604020202020204" pitchFamily="34" charset="0"/>
+                <a:ea typeface="+mj-ea"/>
+                <a:cs typeface="Arial" panose="020B0604020202020204" pitchFamily="34" charset="0"/>
+              </a:defRPr>
+            </a:lvl1pPr>
+          </a:lstStyle>
+          <a:p>
+            <a:pPr algn="ctr"/>
+            <a:r>
+              <a:rPr lang="en-US" dirty="0">
+                <a:solidFill>
+                  <a:schemeClr val="accent1"/>
+                </a:solidFill>
+              </a:rPr>
+              <a:t>Bayesian phylogenetics-based clustering</a:t>
+            </a:r>
+          </a:p>
+        </p:txBody>
+      </p:sp>
+      <p:sp>
+        <p:nvSpPr>
+          <p:cNvPr id="2" name="TextBox 1">
+            <a:extLst>
+              <a:ext uri="{FF2B5EF4-FFF2-40B4-BE49-F238E27FC236}">
+                <a16:creationId xmlns:a16="http://schemas.microsoft.com/office/drawing/2014/main" id="{A18A5017-86B8-8244-A6D6-22EB3CBB778D}"/>
+              </a:ext>
+            </a:extLst>
+          </p:cNvPr>
+          <p:cNvSpPr txBox="1"/>
+          <p:nvPr/>
+        </p:nvSpPr>
+        <p:spPr>
+          <a:xfrm>
+            <a:off x="1427356" y="3044283"/>
+            <a:ext cx="0" cy="0"/>
+          </a:xfrm>
+          <a:prstGeom prst="rect">
+            <a:avLst/>
+          </a:prstGeom>
+          <a:noFill/>
+        </p:spPr>
+        <p:txBody>
+          <a:bodyPr wrap="none" lIns="0" tIns="0" rIns="0" bIns="0" rtlCol="0" anchor="b" anchorCtr="0">
+            <a:normAutofit fontScale="25000" lnSpcReduction="20000"/>
+          </a:bodyPr>
+          <a:lstStyle/>
+          <a:p>
+            <a:pPr algn="r"/>
+            <a:endParaRPr lang="en-US" dirty="0"/>
+          </a:p>
+        </p:txBody>
+      </p:sp>
+      <p:sp>
+        <p:nvSpPr>
+          <p:cNvPr id="9" name="Tijdelijke aanduiding voor inhoud 5">
+            <a:extLst>
+              <a:ext uri="{FF2B5EF4-FFF2-40B4-BE49-F238E27FC236}">
+                <a16:creationId xmlns:a16="http://schemas.microsoft.com/office/drawing/2014/main" id="{236654F0-D29E-AE4F-A966-9762A2AB84EB}"/>
+              </a:ext>
+            </a:extLst>
+          </p:cNvPr>
+          <p:cNvSpPr>
+            <a:spLocks noGrp="1"/>
+          </p:cNvSpPr>
+          <p:nvPr>
+            <p:ph idx="1"/>
+          </p:nvPr>
+        </p:nvSpPr>
+        <p:spPr>
+          <a:xfrm>
+            <a:off x="987972" y="1222626"/>
+            <a:ext cx="5260428" cy="5452586"/>
+          </a:xfrm>
+        </p:spPr>
+        <p:txBody>
+          <a:bodyPr>
+            <a:normAutofit lnSpcReduction="10000"/>
+          </a:bodyPr>
+          <a:lstStyle/>
+          <a:p>
+            <a:pPr algn="just"/>
+            <a:r>
+              <a:rPr lang="en-GB" sz="2400" dirty="0"/>
+              <a:t>Estimate time relationships between samples</a:t>
+            </a:r>
+          </a:p>
+          <a:p>
+            <a:pPr algn="just"/>
+            <a:endParaRPr lang="en-GB" sz="2400" dirty="0"/>
+          </a:p>
+          <a:p>
+            <a:pPr algn="just"/>
+            <a:r>
+              <a:rPr lang="en-GB" sz="2400" dirty="0" err="1"/>
+              <a:t>Transphylo</a:t>
+            </a:r>
+            <a:endParaRPr lang="en-GB" sz="2400" dirty="0"/>
+          </a:p>
+          <a:p>
+            <a:pPr lvl="1" algn="just"/>
+            <a:r>
+              <a:rPr lang="en-GB" sz="2000" dirty="0"/>
+              <a:t>Convert phylogenies into transmission trees</a:t>
+            </a:r>
+          </a:p>
+          <a:p>
+            <a:pPr lvl="1" algn="just"/>
+            <a:r>
+              <a:rPr lang="en-GB" sz="2000" dirty="0"/>
+              <a:t>Predict unsampled cases</a:t>
+            </a:r>
+          </a:p>
+          <a:p>
+            <a:pPr lvl="1" algn="just"/>
+            <a:r>
+              <a:rPr lang="en-GB" sz="2000" dirty="0"/>
+              <a:t>Predict secondary case contact rates</a:t>
+            </a:r>
+          </a:p>
+          <a:p>
+            <a:pPr algn="just"/>
+            <a:endParaRPr lang="en-GB" sz="2400" dirty="0"/>
+          </a:p>
+          <a:p>
+            <a:pPr algn="just"/>
+            <a:r>
+              <a:rPr lang="en-GB" sz="2400" dirty="0"/>
+              <a:t>Optimal data:</a:t>
+            </a:r>
+          </a:p>
+          <a:p>
+            <a:pPr lvl="1" algn="just"/>
+            <a:r>
+              <a:rPr lang="en-GB" sz="2000" dirty="0"/>
+              <a:t>Dense sampling</a:t>
+            </a:r>
+          </a:p>
+          <a:p>
+            <a:pPr lvl="1" algn="just"/>
+            <a:r>
+              <a:rPr lang="en-GB" sz="2000" dirty="0"/>
+              <a:t>Accurate date of sampling</a:t>
+            </a:r>
+          </a:p>
+          <a:p>
+            <a:pPr lvl="1" algn="just"/>
+            <a:r>
+              <a:rPr lang="en-GB" sz="2000" dirty="0"/>
+              <a:t>Phylogenetically informative datasets</a:t>
+            </a:r>
+          </a:p>
+          <a:p>
+            <a:pPr lvl="2" algn="just"/>
+            <a:r>
+              <a:rPr lang="en-GB" sz="1800" dirty="0"/>
+              <a:t>More SNPs the better </a:t>
+            </a:r>
+          </a:p>
+          <a:p>
+            <a:pPr algn="just"/>
+            <a:endParaRPr lang="en-GB" sz="2400" dirty="0"/>
+          </a:p>
+        </p:txBody>
+      </p:sp>
+      <p:sp>
+        <p:nvSpPr>
+          <p:cNvPr id="5" name="TextBox 4">
+            <a:extLst>
+              <a:ext uri="{FF2B5EF4-FFF2-40B4-BE49-F238E27FC236}">
+                <a16:creationId xmlns:a16="http://schemas.microsoft.com/office/drawing/2014/main" id="{F027BD58-91F5-652F-42D3-F8AEC2375905}"/>
+              </a:ext>
+            </a:extLst>
+          </p:cNvPr>
+          <p:cNvSpPr txBox="1"/>
+          <p:nvPr/>
+        </p:nvSpPr>
+        <p:spPr>
+          <a:xfrm>
+            <a:off x="10337800" y="6413602"/>
+            <a:ext cx="1854200" cy="261610"/>
+          </a:xfrm>
+          <a:prstGeom prst="rect">
+            <a:avLst/>
+          </a:prstGeom>
+          <a:noFill/>
+        </p:spPr>
+        <p:txBody>
+          <a:bodyPr wrap="square">
+            <a:spAutoFit/>
+          </a:bodyPr>
+          <a:lstStyle/>
+          <a:p>
+            <a:r>
+              <a:rPr lang="en-GB" sz="1100" dirty="0"/>
+              <a:t>Earls Xu et al MGEN 2020</a:t>
+            </a:r>
+          </a:p>
+        </p:txBody>
+      </p:sp>
+      <p:sp>
+        <p:nvSpPr>
+          <p:cNvPr id="3" name="AutoShape 2" descr="MLST schemes concentric circles">
+            <a:extLst>
+              <a:ext uri="{FF2B5EF4-FFF2-40B4-BE49-F238E27FC236}">
+                <a16:creationId xmlns:a16="http://schemas.microsoft.com/office/drawing/2014/main" id="{72C61CAD-A06C-06E8-AD61-48B2072CE31E}"/>
+              </a:ext>
+            </a:extLst>
+          </p:cNvPr>
+          <p:cNvSpPr>
+            <a:spLocks noChangeAspect="1" noChangeArrowheads="1"/>
+          </p:cNvSpPr>
+          <p:nvPr/>
+        </p:nvSpPr>
+        <p:spPr bwMode="auto">
+          <a:xfrm>
+            <a:off x="5943600" y="3276600"/>
+            <a:ext cx="304800" cy="304800"/>
+          </a:xfrm>
+          <a:prstGeom prst="rect">
+            <a:avLst/>
+          </a:prstGeom>
+          <a:noFill/>
+          <a:extLst>
+            <a:ext uri="{909E8E84-426E-40DD-AFC4-6F175D3DCCD1}">
+              <a14:hiddenFill xmlns:a14="http://schemas.microsoft.com/office/drawing/2010/main">
+                <a:solidFill>
+                  <a:srgbClr val="FFFFFF"/>
+                </a:solidFill>
+              </a14:hiddenFill>
+            </a:ext>
+          </a:extLst>
+        </p:spPr>
+        <p:txBody>
+          <a:bodyPr vert="horz" wrap="square" lIns="91440" tIns="45720" rIns="91440" bIns="45720" numCol="1" anchor="t" anchorCtr="0" compatLnSpc="1">
+            <a:prstTxWarp prst="textNoShape">
+              <a:avLst/>
+            </a:prstTxWarp>
+          </a:bodyPr>
+          <a:lstStyle/>
+          <a:p>
+            <a:endParaRPr lang="en-GB"/>
+          </a:p>
+        </p:txBody>
+      </p:sp>
+      <p:pic>
+        <p:nvPicPr>
+          <p:cNvPr id="1028" name="Picture 4" descr="MAP transmission tree of the combined TransPhylo posterior. Nodes (hosts) are coloured by time of infection, with the initial infection coloured in grey. Sampled cases are shown as circles, unsampled cases are shown as squares, and those cases identified as transmission pairs in over 50 % of posterior transmission are shown as triangles. Note that it is not guaranteed that all such transmission pairs will occur as a pair in the MAP tree; here, one identified pair is not in the MAP tree. Shorter edge lengths denote smaller SNP distances.">
+            <a:extLst>
+              <a:ext uri="{FF2B5EF4-FFF2-40B4-BE49-F238E27FC236}">
+                <a16:creationId xmlns:a16="http://schemas.microsoft.com/office/drawing/2014/main" id="{F05B7CD2-1B13-3367-6E62-445AB219C5B3}"/>
+              </a:ext>
+            </a:extLst>
+          </p:cNvPr>
+          <p:cNvPicPr>
+            <a:picLocks noChangeAspect="1" noChangeArrowheads="1"/>
+          </p:cNvPicPr>
+          <p:nvPr/>
+        </p:nvPicPr>
+        <p:blipFill>
+          <a:blip r:embed="rId3">
+            <a:extLst>
+              <a:ext uri="{28A0092B-C50C-407E-A947-70E740481C1C}">
+                <a14:useLocalDpi xmlns:a14="http://schemas.microsoft.com/office/drawing/2010/main" val="0"/>
+              </a:ext>
+            </a:extLst>
+          </a:blip>
+          <a:srcRect/>
+          <a:stretch>
+            <a:fillRect/>
+          </a:stretch>
+        </p:blipFill>
+        <p:spPr bwMode="auto">
+          <a:xfrm>
+            <a:off x="6265118" y="1222626"/>
+            <a:ext cx="5933205" cy="5025773"/>
+          </a:xfrm>
+          <a:prstGeom prst="rect">
+            <a:avLst/>
+          </a:prstGeom>
+          <a:noFill/>
+          <a:extLst>
+            <a:ext uri="{909E8E84-426E-40DD-AFC4-6F175D3DCCD1}">
+              <a14:hiddenFill xmlns:a14="http://schemas.microsoft.com/office/drawing/2010/main">
+                <a:solidFill>
+                  <a:srgbClr val="FFFFFF"/>
+                </a:solidFill>
+              </a14:hiddenFill>
+            </a:ext>
+          </a:extLst>
+        </p:spPr>
+      </p:pic>
+    </p:spTree>
+    <p:extLst>
+      <p:ext uri="{BB962C8B-B14F-4D97-AF65-F5344CB8AC3E}">
+        <p14:creationId xmlns:p14="http://schemas.microsoft.com/office/powerpoint/2010/main" val="602915471"/>
+      </p:ext>
+    </p:extLst>
+  </p:cSld>
+  <p:clrMapOvr>
+    <a:masterClrMapping/>
+  </p:clrMapOvr>
+</p:sld>
+</file>
+
+<file path=ppt/slides/slide16.xml><?xml version="1.0" encoding="utf-8"?>
 <p:sld xmlns:a="http://schemas.openxmlformats.org/drawingml/2006/main" xmlns:r="http://schemas.openxmlformats.org/officeDocument/2006/relationships" xmlns:p="http://schemas.openxmlformats.org/presentationml/2006/main">
   <p:cSld>
     <p:spTree>

--- a/PathogenDataCourse/SlideSets/StrainTypingAndGenEpi.pptx
+++ b/PathogenDataCourse/SlideSets/StrainTypingAndGenEpi.pptx
@@ -1708,7 +1708,7 @@
           <a:p>
             <a:fld id="{C4181D7C-81F1-BA48-B0CF-02C398C91972}" type="datetimeFigureOut">
               <a:rPr lang="en-US" smtClean="0"/>
-              <a:t>7/18/23</a:t>
+              <a:t>7/19/23</a:t>
             </a:fld>
             <a:endParaRPr lang="en-US"/>
           </a:p>
@@ -3502,7 +3502,7 @@
             <a:fld id="{197342E9-89D0-D246-B0E5-635614E13D75}" type="datetime1">
               <a:rPr lang="en-GB" smtClean="0"/>
               <a:pPr/>
-              <a:t>18/07/2023</a:t>
+              <a:t>19/07/2023</a:t>
             </a:fld>
             <a:endParaRPr lang="en-US" dirty="0"/>
           </a:p>
@@ -8120,7 +8120,7 @@
             <a:fld id="{197342E9-89D0-D246-B0E5-635614E13D75}" type="datetime1">
               <a:rPr lang="en-GB" smtClean="0"/>
               <a:pPr/>
-              <a:t>18/07/2023</a:t>
+              <a:t>19/07/2023</a:t>
             </a:fld>
             <a:endParaRPr lang="en-US" dirty="0"/>
           </a:p>
@@ -11203,7 +11203,7 @@
             <a:fld id="{197342E9-89D0-D246-B0E5-635614E13D75}" type="datetime1">
               <a:rPr lang="en-GB" smtClean="0"/>
               <a:pPr/>
-              <a:t>18/07/2023</a:t>
+              <a:t>19/07/2023</a:t>
             </a:fld>
             <a:endParaRPr lang="en-US" dirty="0"/>
           </a:p>
@@ -17242,8 +17242,13 @@
             <a:pPr algn="just"/>
             <a:r>
               <a:rPr lang="en-GB" noProof="0" dirty="0"/>
-              <a:t>ANI≥98</a:t>
-            </a:r>
+              <a:t>ANI</a:t>
+            </a:r>
+            <a:r>
+              <a:rPr lang="en-GB" noProof="0"/>
+              <a:t>≥98%:</a:t>
+            </a:r>
+            <a:endParaRPr lang="en-GB" noProof="0" dirty="0"/>
           </a:p>
           <a:p>
             <a:pPr lvl="1" algn="just"/>
@@ -18811,12 +18816,6 @@
 </file>
 
 <file path=customXml/item2.xml><?xml version="1.0" encoding="utf-8"?>
-<p:properties xmlns:p="http://schemas.microsoft.com/office/2006/metadata/properties" xmlns:xsi="http://www.w3.org/2001/XMLSchema-instance" xmlns:pc="http://schemas.microsoft.com/office/infopath/2007/PartnerControls">
-  <documentManagement/>
-</p:properties>
-</file>
-
-<file path=customXml/item3.xml><?xml version="1.0" encoding="utf-8"?>
 <ct:contentTypeSchema xmlns:ct="http://schemas.microsoft.com/office/2006/metadata/contentType" xmlns:ma="http://schemas.microsoft.com/office/2006/metadata/properties/metaAttributes" ct:_="" ma:_="" ma:contentTypeName="Document" ma:contentTypeID="0x010100E248A64365211844BF30BC3ADD420261" ma:contentTypeVersion="11" ma:contentTypeDescription="Create a new document." ma:contentTypeScope="" ma:versionID="bf0b94b058452ed3cec91f89e664909d">
   <xsd:schema xmlns:xsd="http://www.w3.org/2001/XMLSchema" xmlns:xs="http://www.w3.org/2001/XMLSchema" xmlns:p="http://schemas.microsoft.com/office/2006/metadata/properties" xmlns:ns2="8dbe2aa3-3237-4830-85c4-3d48417ef302" xmlns:ns3="b317b901-4ab4-4161-80c3-da5df50c25bf" targetNamespace="http://schemas.microsoft.com/office/2006/metadata/properties" ma:root="true" ma:fieldsID="d988d784501c0b668dd73c0ebdbd98a4" ns2:_="" ns3:_="">
     <xsd:import namespace="8dbe2aa3-3237-4830-85c4-3d48417ef302"/>
@@ -19027,6 +19026,12 @@
 </ct:contentTypeSchema>
 </file>
 
+<file path=customXml/item3.xml><?xml version="1.0" encoding="utf-8"?>
+<p:properties xmlns:p="http://schemas.microsoft.com/office/2006/metadata/properties" xmlns:xsi="http://www.w3.org/2001/XMLSchema-instance" xmlns:pc="http://schemas.microsoft.com/office/infopath/2007/PartnerControls">
+  <documentManagement/>
+</p:properties>
+</file>
+
 <file path=customXml/itemProps1.xml><?xml version="1.0" encoding="utf-8"?>
 <ds:datastoreItem xmlns:ds="http://schemas.openxmlformats.org/officeDocument/2006/customXml" ds:itemID="{B1063616-57F3-4C87-BB7F-2974CF36DE76}">
   <ds:schemaRefs>
@@ -19036,23 +19041,6 @@
 </file>
 
 <file path=customXml/itemProps2.xml><?xml version="1.0" encoding="utf-8"?>
-<ds:datastoreItem xmlns:ds="http://schemas.openxmlformats.org/officeDocument/2006/customXml" ds:itemID="{71F1859A-D475-4A9D-83E1-80A36DBA260F}">
-  <ds:schemaRefs>
-    <ds:schemaRef ds:uri="http://schemas.microsoft.com/office/2006/documentManagement/types"/>
-    <ds:schemaRef ds:uri="http://purl.org/dc/dcmitype/"/>
-    <ds:schemaRef ds:uri="http://schemas.microsoft.com/office/2006/metadata/properties"/>
-    <ds:schemaRef ds:uri="http://schemas.openxmlformats.org/package/2006/metadata/core-properties"/>
-    <ds:schemaRef ds:uri="b317b901-4ab4-4161-80c3-da5df50c25bf"/>
-    <ds:schemaRef ds:uri="http://purl.org/dc/terms/"/>
-    <ds:schemaRef ds:uri="8dbe2aa3-3237-4830-85c4-3d48417ef302"/>
-    <ds:schemaRef ds:uri="http://schemas.microsoft.com/office/infopath/2007/PartnerControls"/>
-    <ds:schemaRef ds:uri="http://www.w3.org/XML/1998/namespace"/>
-    <ds:schemaRef ds:uri="http://purl.org/dc/elements/1.1/"/>
-  </ds:schemaRefs>
-</ds:datastoreItem>
-</file>
-
-<file path=customXml/itemProps3.xml><?xml version="1.0" encoding="utf-8"?>
 <ds:datastoreItem xmlns:ds="http://schemas.openxmlformats.org/officeDocument/2006/customXml" ds:itemID="{72E4F038-6994-4608-A1EA-AF583DA06B5C}">
   <ds:schemaRefs>
     <ds:schemaRef ds:uri="http://schemas.microsoft.com/office/2006/metadata/contentType"/>
@@ -19069,4 +19057,21 @@
     <ds:schemaRef ds:uri="http://schemas.microsoft.com/internal/obd"/>
   </ds:schemaRefs>
 </ds:datastoreItem>
+</file>
+
+<file path=customXml/itemProps3.xml><?xml version="1.0" encoding="utf-8"?>
+<ds:datastoreItem xmlns:ds="http://schemas.openxmlformats.org/officeDocument/2006/customXml" ds:itemID="{71F1859A-D475-4A9D-83E1-80A36DBA260F}">
+  <ds:schemaRefs>
+    <ds:schemaRef ds:uri="http://schemas.microsoft.com/office/2006/documentManagement/types"/>
+    <ds:schemaRef ds:uri="http://purl.org/dc/dcmitype/"/>
+    <ds:schemaRef ds:uri="http://schemas.microsoft.com/office/2006/metadata/properties"/>
+    <ds:schemaRef ds:uri="http://schemas.openxmlformats.org/package/2006/metadata/core-properties"/>
+    <ds:schemaRef ds:uri="b317b901-4ab4-4161-80c3-da5df50c25bf"/>
+    <ds:schemaRef ds:uri="http://purl.org/dc/terms/"/>
+    <ds:schemaRef ds:uri="8dbe2aa3-3237-4830-85c4-3d48417ef302"/>
+    <ds:schemaRef ds:uri="http://schemas.microsoft.com/office/infopath/2007/PartnerControls"/>
+    <ds:schemaRef ds:uri="http://www.w3.org/XML/1998/namespace"/>
+    <ds:schemaRef ds:uri="http://purl.org/dc/elements/1.1/"/>
+  </ds:schemaRefs>
+</ds:datastoreItem>
 </file>